--- a/docs/diagrams/newLogicDiagrams.pptx
+++ b/docs/diagrams/newLogicDiagrams.pptx
@@ -14626,7 +14626,6 @@
               <a:rPr lang="en-US" b="1" dirty="0"/>
               <a:t>opt</a:t>
             </a:r>
-            <a:endParaRPr lang="en-US" b="1" dirty="0"/>
           </a:p>
         </p:txBody>
       </p:sp>
@@ -14660,7 +14659,6 @@
               <a:rPr lang="en-US" dirty="0"/>
               <a:t>]</a:t>
             </a:r>
-            <a:endParaRPr lang="en-US" dirty="0"/>
           </a:p>
         </p:txBody>
       </p:sp>
@@ -14714,19 +14712,7 @@
                 <a:cs typeface="Calibri"/>
                 <a:sym typeface="Calibri"/>
               </a:rPr>
-              <a:t>Deque</a:t>
-            </a:r>
-            <a:r>
-              <a:rPr lang="en-US" sz="1600" dirty="0" smtClean="0">
-                <a:solidFill>
-                  <a:schemeClr val="lt1"/>
-                </a:solidFill>
-                <a:latin typeface="Calibri"/>
-                <a:ea typeface="Calibri"/>
-                <a:cs typeface="Calibri"/>
-                <a:sym typeface="Calibri"/>
-              </a:rPr>
-              <a:t>&lt;</a:t>
+              <a:t>Deque&lt;</a:t>
             </a:r>
             <a:r>
               <a:rPr lang="en-US" sz="1600" dirty="0" err="1" smtClean="0">
@@ -14909,19 +14895,7 @@
                 <a:cs typeface="Calibri"/>
                 <a:sym typeface="Calibri"/>
               </a:rPr>
-              <a:t>c</a:t>
-            </a:r>
-            <a:r>
-              <a:rPr lang="en-US" dirty="0" smtClean="0">
-                <a:solidFill>
-                  <a:srgbClr val="0070C0"/>
-                </a:solidFill>
-                <a:latin typeface="Calibri"/>
-                <a:ea typeface="Calibri"/>
-                <a:cs typeface="Calibri"/>
-                <a:sym typeface="Calibri"/>
-              </a:rPr>
-              <a:t>reate(</a:t>
+              <a:t>create(</a:t>
             </a:r>
             <a:r>
               <a:rPr lang="is-IS" dirty="0" smtClean="0">
@@ -15140,19 +15114,7 @@
                 <a:cs typeface="Calibri"/>
                 <a:sym typeface="Calibri"/>
               </a:rPr>
-              <a:t>push</a:t>
-            </a:r>
-            <a:r>
-              <a:rPr lang="en-US" dirty="0" smtClean="0">
-                <a:solidFill>
-                  <a:srgbClr val="0070C0"/>
-                </a:solidFill>
-                <a:latin typeface="Calibri"/>
-                <a:ea typeface="Calibri"/>
-                <a:cs typeface="Calibri"/>
-                <a:sym typeface="Calibri"/>
-              </a:rPr>
-              <a:t>(</a:t>
+              <a:t>push(</a:t>
             </a:r>
             <a:r>
               <a:rPr lang="en-US" dirty="0" err="1" smtClean="0">
@@ -15474,7 +15436,7 @@
               <a:buNone/>
             </a:pPr>
             <a:r>
-              <a:rPr lang="en-US" sz="1050" b="1" dirty="0" smtClean="0">
+              <a:rPr lang="en-US" sz="1050" b="1" smtClean="0">
                 <a:solidFill>
                   <a:srgbClr val="0070C0"/>
                 </a:solidFill>
@@ -15483,8 +15445,29 @@
                 <a:cs typeface="Calibri"/>
                 <a:sym typeface="Calibri"/>
               </a:rPr>
-              <a:t>Undo </a:t>
+              <a:t>Edit</a:t>
             </a:r>
+            <a:r>
+              <a:rPr lang="en-US" sz="1050" b="1" smtClean="0">
+                <a:solidFill>
+                  <a:srgbClr val="0070C0"/>
+                </a:solidFill>
+                <a:latin typeface="Calibri"/>
+                <a:ea typeface="Calibri"/>
+                <a:cs typeface="Calibri"/>
+                <a:sym typeface="Calibri"/>
+              </a:rPr>
+              <a:t> </a:t>
+            </a:r>
+            <a:endParaRPr lang="en-US" sz="1050" b="1" dirty="0" smtClean="0">
+              <a:solidFill>
+                <a:srgbClr val="0070C0"/>
+              </a:solidFill>
+              <a:latin typeface="Calibri"/>
+              <a:ea typeface="Calibri"/>
+              <a:cs typeface="Calibri"/>
+              <a:sym typeface="Calibri"/>
+            </a:endParaRPr>
           </a:p>
           <a:p>
             <a:pPr marL="0" marR="0" lvl="0" indent="0" algn="ctr" rtl="0">
@@ -16343,27 +16326,7 @@
                 <a:cs typeface="Calibri"/>
                 <a:sym typeface="Calibri"/>
               </a:rPr>
-              <a:t>Store s</a:t>
-            </a:r>
-            <a:r>
-              <a:rPr lang="en-US" sz="1100" dirty="0" smtClean="0">
-                <a:ln w="0"/>
-                <a:solidFill>
-                  <a:schemeClr val="tx1"/>
-                </a:solidFill>
-                <a:effectLst>
-                  <a:outerShdw blurRad="38100" dist="19050" dir="2700000" algn="tl" rotWithShape="0">
-                    <a:schemeClr val="dk1">
-                      <a:alpha val="40000"/>
-                    </a:schemeClr>
-                  </a:outerShdw>
-                </a:effectLst>
-                <a:latin typeface="Calibri"/>
-                <a:ea typeface="Calibri"/>
-                <a:cs typeface="Calibri"/>
-                <a:sym typeface="Calibri"/>
-              </a:rPr>
-              <a:t>tate of model before command </a:t>
+              <a:t>Store state of model before command </a:t>
             </a:r>
             <a:r>
               <a:rPr lang="en-US" sz="1100" smtClean="0">

--- a/docs/diagrams/newLogicDiagrams.pptx
+++ b/docs/diagrams/newLogicDiagrams.pptx
@@ -12850,7 +12850,7 @@
               <a:buNone/>
             </a:pPr>
             <a:r>
-              <a:rPr lang="en-US" sz="1100" b="1" dirty="0" smtClean="0">
+              <a:rPr lang="en-US" sz="1100" b="1" dirty="0" err="1" smtClean="0">
                 <a:solidFill>
                   <a:schemeClr val="lt1"/>
                 </a:solidFill>
@@ -12859,7 +12859,7 @@
                 <a:cs typeface="Calibri"/>
                 <a:sym typeface="Calibri"/>
               </a:rPr>
-              <a:t>CommandHistory</a:t>
+              <a:t>HistoryDeque</a:t>
             </a:r>
             <a:endParaRPr lang="en-US" sz="1100" b="1" dirty="0">
               <a:solidFill>
@@ -15445,19 +15445,7 @@
                 <a:cs typeface="Calibri"/>
                 <a:sym typeface="Calibri"/>
               </a:rPr>
-              <a:t>Edit</a:t>
-            </a:r>
-            <a:r>
-              <a:rPr lang="en-US" sz="1050" b="1" smtClean="0">
-                <a:solidFill>
-                  <a:srgbClr val="0070C0"/>
-                </a:solidFill>
-                <a:latin typeface="Calibri"/>
-                <a:ea typeface="Calibri"/>
-                <a:cs typeface="Calibri"/>
-                <a:sym typeface="Calibri"/>
-              </a:rPr>
-              <a:t> </a:t>
+              <a:t>Edit </a:t>
             </a:r>
             <a:endParaRPr lang="en-US" sz="1050" b="1" dirty="0" smtClean="0">
               <a:solidFill>

--- a/docs/diagrams/newLogicDiagrams.pptx
+++ b/docs/diagrams/newLogicDiagrams.pptx
@@ -14670,8 +14670,8 @@
         </p:nvSpPr>
         <p:spPr>
           <a:xfrm>
-            <a:off x="8099810" y="5340420"/>
-            <a:ext cx="2431571" cy="362497"/>
+            <a:off x="8073485" y="5318118"/>
+            <a:ext cx="1822279" cy="362497"/>
           </a:xfrm>
           <a:prstGeom prst="rect">
             <a:avLst/>
@@ -14703,7 +14703,7 @@
               <a:buNone/>
             </a:pPr>
             <a:r>
-              <a:rPr lang="en-US" sz="1600" dirty="0" smtClean="0">
+              <a:rPr lang="en-US" sz="1600" smtClean="0">
                 <a:solidFill>
                   <a:schemeClr val="lt1"/>
                 </a:solidFill>
@@ -14712,31 +14712,7 @@
                 <a:cs typeface="Calibri"/>
                 <a:sym typeface="Calibri"/>
               </a:rPr>
-              <a:t>Deque&lt;</a:t>
-            </a:r>
-            <a:r>
-              <a:rPr lang="en-US" sz="1600" dirty="0" err="1" smtClean="0">
-                <a:solidFill>
-                  <a:schemeClr val="lt1"/>
-                </a:solidFill>
-                <a:latin typeface="Calibri"/>
-                <a:ea typeface="Calibri"/>
-                <a:cs typeface="Calibri"/>
-                <a:sym typeface="Calibri"/>
-              </a:rPr>
-              <a:t>CommandHIstory</a:t>
-            </a:r>
-            <a:r>
-              <a:rPr lang="en-US" sz="1600" dirty="0" smtClean="0">
-                <a:solidFill>
-                  <a:schemeClr val="lt1"/>
-                </a:solidFill>
-                <a:latin typeface="Calibri"/>
-                <a:ea typeface="Calibri"/>
-                <a:cs typeface="Calibri"/>
-                <a:sym typeface="Calibri"/>
-              </a:rPr>
-              <a:t>&gt;</a:t>
+              <a:t>HistoryDeque</a:t>
             </a:r>
             <a:endParaRPr lang="en-US" sz="1600" dirty="0">
               <a:solidFill>

--- a/docs/diagrams/newLogicDiagrams.pptx
+++ b/docs/diagrams/newLogicDiagrams.pptx
@@ -13559,8 +13559,8 @@
         </p:nvSpPr>
         <p:spPr>
           <a:xfrm>
-            <a:off x="152400" y="889000"/>
-            <a:ext cx="1424846" cy="215443"/>
+            <a:off x="0" y="904693"/>
+            <a:ext cx="1577246" cy="199750"/>
           </a:xfrm>
           <a:prstGeom prst="rect">
             <a:avLst/>
@@ -13593,7 +13593,43 @@
                 <a:cs typeface="Calibri"/>
                 <a:sym typeface="Calibri"/>
               </a:rPr>
-              <a:t>execute(“delete 1”)</a:t>
+              <a:t>execute(“</a:t>
+            </a:r>
+            <a:r>
+              <a:rPr lang="en-US" sz="1400">
+                <a:solidFill>
+                  <a:srgbClr val="0070C0"/>
+                </a:solidFill>
+                <a:latin typeface="Calibri"/>
+                <a:ea typeface="Calibri"/>
+                <a:cs typeface="Calibri"/>
+                <a:sym typeface="Calibri"/>
+              </a:rPr>
+              <a:t>delete </a:t>
+            </a:r>
+            <a:r>
+              <a:rPr lang="en-US" sz="1400" smtClean="0">
+                <a:solidFill>
+                  <a:srgbClr val="0070C0"/>
+                </a:solidFill>
+                <a:latin typeface="Calibri"/>
+                <a:ea typeface="Calibri"/>
+                <a:cs typeface="Calibri"/>
+                <a:sym typeface="Calibri"/>
+              </a:rPr>
+              <a:t>d1</a:t>
+            </a:r>
+            <a:r>
+              <a:rPr lang="en-US" sz="1400" dirty="0">
+                <a:solidFill>
+                  <a:srgbClr val="0070C0"/>
+                </a:solidFill>
+                <a:latin typeface="Calibri"/>
+                <a:ea typeface="Calibri"/>
+                <a:cs typeface="Calibri"/>
+                <a:sym typeface="Calibri"/>
+              </a:rPr>
+              <a:t>”)</a:t>
             </a:r>
           </a:p>
         </p:txBody>
@@ -14232,8 +14268,41 @@
                 <a:cs typeface="Calibri"/>
                 <a:sym typeface="Calibri"/>
               </a:rPr>
-              <a:t>parse(“delete 1”)</a:t>
+              <a:t>parse(“delete </a:t>
             </a:r>
+            <a:r>
+              <a:rPr lang="en-US" dirty="0" smtClean="0">
+                <a:solidFill>
+                  <a:srgbClr val="0070C0"/>
+                </a:solidFill>
+                <a:latin typeface="Calibri"/>
+                <a:ea typeface="Calibri"/>
+                <a:cs typeface="Calibri"/>
+                <a:sym typeface="Calibri"/>
+              </a:rPr>
+              <a:t>d1</a:t>
+            </a:r>
+            <a:r>
+              <a:rPr lang="en-US" sz="1400" dirty="0" smtClean="0">
+                <a:solidFill>
+                  <a:srgbClr val="0070C0"/>
+                </a:solidFill>
+                <a:latin typeface="Calibri"/>
+                <a:ea typeface="Calibri"/>
+                <a:cs typeface="Calibri"/>
+                <a:sym typeface="Calibri"/>
+              </a:rPr>
+              <a:t>”)</a:t>
+            </a:r>
+            <a:endParaRPr lang="en-US" sz="1400" dirty="0">
+              <a:solidFill>
+                <a:srgbClr val="0070C0"/>
+              </a:solidFill>
+              <a:latin typeface="Calibri"/>
+              <a:ea typeface="Calibri"/>
+              <a:cs typeface="Calibri"/>
+              <a:sym typeface="Calibri"/>
+            </a:endParaRPr>
           </a:p>
         </p:txBody>
       </p:sp>

--- a/docs/diagrams/newLogicDiagrams.pptx
+++ b/docs/diagrams/newLogicDiagrams.pptx
@@ -14677,7 +14677,7 @@
         </p:nvSpPr>
         <p:spPr>
           <a:xfrm>
-            <a:off x="1168400" y="4229099"/>
+            <a:off x="1168400" y="4329458"/>
             <a:ext cx="1320326" cy="307777"/>
           </a:xfrm>
           <a:prstGeom prst="rect">
@@ -14706,8 +14706,8 @@
         </p:nvSpPr>
         <p:spPr>
           <a:xfrm>
-            <a:off x="1803400" y="4229099"/>
-            <a:ext cx="2870200" cy="307777"/>
+            <a:off x="1803400" y="4217948"/>
+            <a:ext cx="2870200" cy="523220"/>
           </a:xfrm>
           <a:prstGeom prst="rect">
             <a:avLst/>
@@ -14722,7 +14722,13 @@
           <a:p>
             <a:r>
               <a:rPr lang="en-US" dirty="0" smtClean="0"/>
-              <a:t>[result.success &amp;&amp; d.storeHistory</a:t>
+              <a:t>[result.success &amp;&amp; </a:t>
+            </a:r>
+          </a:p>
+          <a:p>
+            <a:r>
+              <a:rPr lang="en-US" dirty="0" err="1" smtClean="0"/>
+              <a:t>d.storeHistory</a:t>
             </a:r>
             <a:r>
               <a:rPr lang="en-US" dirty="0"/>
@@ -14854,7 +14860,7 @@
         </p:nvCxnSpPr>
         <p:spPr>
           <a:xfrm flipV="1">
-            <a:off x="1859461" y="4644975"/>
+            <a:off x="1859461" y="4745334"/>
             <a:ext cx="4863764" cy="16520"/>
           </a:xfrm>
           <a:prstGeom prst="straightConnector1">
@@ -14880,7 +14886,7 @@
         </p:nvCxnSpPr>
         <p:spPr>
           <a:xfrm flipV="1">
-            <a:off x="1908870" y="4994354"/>
+            <a:off x="1908870" y="5094713"/>
             <a:ext cx="5523805" cy="19194"/>
           </a:xfrm>
           <a:prstGeom prst="straightConnector1">
@@ -14906,7 +14912,7 @@
         </p:nvSpPr>
         <p:spPr>
           <a:xfrm>
-            <a:off x="5148408" y="4380259"/>
+            <a:off x="5148408" y="4480618"/>
             <a:ext cx="1362944" cy="281235"/>
           </a:xfrm>
           <a:prstGeom prst="rect">
@@ -14986,7 +14992,7 @@
         </p:nvSpPr>
         <p:spPr>
           <a:xfrm>
-            <a:off x="6785590" y="4360307"/>
+            <a:off x="6785590" y="4460666"/>
             <a:ext cx="1696871" cy="482729"/>
           </a:xfrm>
           <a:prstGeom prst="rect">
@@ -15074,7 +15080,7 @@
         </p:nvSpPr>
         <p:spPr>
           <a:xfrm>
-            <a:off x="7572518" y="4854790"/>
+            <a:off x="7572518" y="4955149"/>
             <a:ext cx="152399" cy="276002"/>
           </a:xfrm>
           <a:prstGeom prst="rect">
@@ -16169,43 +16175,17 @@
                 <a:cs typeface="Calibri"/>
                 <a:sym typeface="Calibri"/>
               </a:rPr>
-              <a:t>H</a:t>
+              <a:t>Undo</a:t>
             </a:r>
-            <a:r>
-              <a:rPr lang="en-US" sz="1050" b="1" dirty="0" err="1" smtClean="0">
-                <a:solidFill>
-                  <a:srgbClr val="0070C0"/>
-                </a:solidFill>
-                <a:latin typeface="Calibri"/>
-                <a:ea typeface="Calibri"/>
-                <a:cs typeface="Calibri"/>
-                <a:sym typeface="Calibri"/>
-              </a:rPr>
-              <a:t>i</a:t>
-            </a:r>
-            <a:r>
-              <a:rPr lang="is-IS" sz="1050" b="1" dirty="0" smtClean="0">
-                <a:solidFill>
-                  <a:srgbClr val="0070C0"/>
-                </a:solidFill>
-                <a:latin typeface="Calibri"/>
-                <a:ea typeface="Calibri"/>
-                <a:cs typeface="Calibri"/>
-                <a:sym typeface="Calibri"/>
-              </a:rPr>
-              <a:t>story</a:t>
-            </a:r>
-            <a:br>
-              <a:rPr lang="is-IS" sz="1050" b="1" dirty="0" smtClean="0">
-                <a:solidFill>
-                  <a:srgbClr val="0070C0"/>
-                </a:solidFill>
-                <a:latin typeface="Calibri"/>
-                <a:ea typeface="Calibri"/>
-                <a:cs typeface="Calibri"/>
-                <a:sym typeface="Calibri"/>
-              </a:rPr>
-            </a:br>
+          </a:p>
+          <a:p>
+            <a:pPr marL="0" marR="0" lvl="0" indent="0" algn="ctr" rtl="0">
+              <a:spcBef>
+                <a:spcPts val="0"/>
+              </a:spcBef>
+              <a:buSzPct val="25000"/>
+              <a:buNone/>
+            </a:pPr>
             <a:r>
               <a:rPr lang="is-IS" sz="1050" b="1" dirty="0" smtClean="0">
                 <a:solidFill>
@@ -16342,7 +16322,7 @@
               <a:buNone/>
             </a:pPr>
             <a:r>
-              <a:rPr lang="en-US" sz="1100" dirty="0" smtClean="0">
+              <a:rPr lang="en-US" sz="1100" dirty="0">
                 <a:ln w="0"/>
                 <a:solidFill>
                   <a:schemeClr val="tx1"/>
@@ -16359,10 +16339,10 @@
                 <a:cs typeface="Calibri"/>
                 <a:sym typeface="Calibri"/>
               </a:rPr>
-              <a:t>Store state of model before command </a:t>
+              <a:t>I</a:t>
             </a:r>
             <a:r>
-              <a:rPr lang="en-US" sz="1100" smtClean="0">
+              <a:rPr lang="en-US" sz="1100" dirty="0" smtClean="0">
                 <a:ln w="0"/>
                 <a:solidFill>
                   <a:schemeClr val="tx1"/>
@@ -16379,7 +16359,7 @@
                 <a:cs typeface="Calibri"/>
                 <a:sym typeface="Calibri"/>
               </a:rPr>
-              <a:t>execution </a:t>
+              <a:t>ndicates if previous state of Model should be saved </a:t>
             </a:r>
             <a:endParaRPr lang="en-US" sz="1100" dirty="0">
               <a:ln w="0"/>
